--- a/Шаблон для Нейро для защиты.pptx
+++ b/Шаблон для Нейро для защиты.pptx
@@ -238,7 +238,7 @@
           <a:p>
             <a:fld id="{45416EBE-57CE-4EBC-BD57-A999DD88B7D5}" type="datetimeFigureOut">
               <a:rPr lang="ru-RU" smtClean="0"/>
-              <a:t>18.04.2023</a:t>
+              <a:t>чт 04.05.23</a:t>
             </a:fld>
             <a:endParaRPr lang="ru-RU"/>
           </a:p>
@@ -886,7 +886,7 @@
           <a:p>
             <a:fld id="{594D12D1-AC4F-4D91-AA41-88AA8B28C4BE}" type="datetimeFigureOut">
               <a:rPr lang="ru-RU" smtClean="0"/>
-              <a:t>18.04.2023</a:t>
+              <a:t>чт 04.05.23</a:t>
             </a:fld>
             <a:endParaRPr lang="ru-RU"/>
           </a:p>
@@ -1054,7 +1054,7 @@
           <a:p>
             <a:fld id="{594D12D1-AC4F-4D91-AA41-88AA8B28C4BE}" type="datetimeFigureOut">
               <a:rPr lang="ru-RU" smtClean="0"/>
-              <a:t>18.04.2023</a:t>
+              <a:t>чт 04.05.23</a:t>
             </a:fld>
             <a:endParaRPr lang="ru-RU"/>
           </a:p>
@@ -1232,7 +1232,7 @@
           <a:p>
             <a:fld id="{594D12D1-AC4F-4D91-AA41-88AA8B28C4BE}" type="datetimeFigureOut">
               <a:rPr lang="ru-RU" smtClean="0"/>
-              <a:t>18.04.2023</a:t>
+              <a:t>чт 04.05.23</a:t>
             </a:fld>
             <a:endParaRPr lang="ru-RU"/>
           </a:p>
@@ -1400,7 +1400,7 @@
           <a:p>
             <a:fld id="{594D12D1-AC4F-4D91-AA41-88AA8B28C4BE}" type="datetimeFigureOut">
               <a:rPr lang="ru-RU" smtClean="0"/>
-              <a:t>18.04.2023</a:t>
+              <a:t>чт 04.05.23</a:t>
             </a:fld>
             <a:endParaRPr lang="ru-RU"/>
           </a:p>
@@ -1645,7 +1645,7 @@
           <a:p>
             <a:fld id="{594D12D1-AC4F-4D91-AA41-88AA8B28C4BE}" type="datetimeFigureOut">
               <a:rPr lang="ru-RU" smtClean="0"/>
-              <a:t>18.04.2023</a:t>
+              <a:t>чт 04.05.23</a:t>
             </a:fld>
             <a:endParaRPr lang="ru-RU"/>
           </a:p>
@@ -1874,7 +1874,7 @@
           <a:p>
             <a:fld id="{594D12D1-AC4F-4D91-AA41-88AA8B28C4BE}" type="datetimeFigureOut">
               <a:rPr lang="ru-RU" smtClean="0"/>
-              <a:t>18.04.2023</a:t>
+              <a:t>чт 04.05.23</a:t>
             </a:fld>
             <a:endParaRPr lang="ru-RU"/>
           </a:p>
@@ -2238,7 +2238,7 @@
           <a:p>
             <a:fld id="{594D12D1-AC4F-4D91-AA41-88AA8B28C4BE}" type="datetimeFigureOut">
               <a:rPr lang="ru-RU" smtClean="0"/>
-              <a:t>18.04.2023</a:t>
+              <a:t>чт 04.05.23</a:t>
             </a:fld>
             <a:endParaRPr lang="ru-RU"/>
           </a:p>
@@ -2355,7 +2355,7 @@
           <a:p>
             <a:fld id="{594D12D1-AC4F-4D91-AA41-88AA8B28C4BE}" type="datetimeFigureOut">
               <a:rPr lang="ru-RU" smtClean="0"/>
-              <a:t>18.04.2023</a:t>
+              <a:t>чт 04.05.23</a:t>
             </a:fld>
             <a:endParaRPr lang="ru-RU"/>
           </a:p>
@@ -2450,7 +2450,7 @@
           <a:p>
             <a:fld id="{594D12D1-AC4F-4D91-AA41-88AA8B28C4BE}" type="datetimeFigureOut">
               <a:rPr lang="ru-RU" smtClean="0"/>
-              <a:t>18.04.2023</a:t>
+              <a:t>чт 04.05.23</a:t>
             </a:fld>
             <a:endParaRPr lang="ru-RU"/>
           </a:p>
@@ -2725,7 +2725,7 @@
           <a:p>
             <a:fld id="{594D12D1-AC4F-4D91-AA41-88AA8B28C4BE}" type="datetimeFigureOut">
               <a:rPr lang="ru-RU" smtClean="0"/>
-              <a:t>18.04.2023</a:t>
+              <a:t>чт 04.05.23</a:t>
             </a:fld>
             <a:endParaRPr lang="ru-RU"/>
           </a:p>
@@ -2977,7 +2977,7 @@
           <a:p>
             <a:fld id="{594D12D1-AC4F-4D91-AA41-88AA8B28C4BE}" type="datetimeFigureOut">
               <a:rPr lang="ru-RU" smtClean="0"/>
-              <a:t>18.04.2023</a:t>
+              <a:t>чт 04.05.23</a:t>
             </a:fld>
             <a:endParaRPr lang="ru-RU"/>
           </a:p>
@@ -3188,7 +3188,7 @@
           <a:p>
             <a:fld id="{594D12D1-AC4F-4D91-AA41-88AA8B28C4BE}" type="datetimeFigureOut">
               <a:rPr lang="ru-RU" smtClean="0"/>
-              <a:t>18.04.2023</a:t>
+              <a:t>чт 04.05.23</a:t>
             </a:fld>
             <a:endParaRPr lang="ru-RU"/>
           </a:p>
@@ -4648,8 +4648,8 @@
         </p:nvSpPr>
         <p:spPr>
           <a:xfrm>
-            <a:off x="1242874" y="2180979"/>
-            <a:ext cx="8984202" cy="923330"/>
+            <a:off x="1025062" y="1894596"/>
+            <a:ext cx="10597733" cy="1754326"/>
           </a:xfrm>
           <a:prstGeom prst="rect">
             <a:avLst/>
@@ -4669,7 +4669,7 @@
                   <a:schemeClr val="bg1"/>
                 </a:solidFill>
               </a:rPr>
-              <a:t>Что-то</a:t>
+              <a:t>Программа для измерительной машины</a:t>
             </a:r>
             <a:endParaRPr lang="ru-RU" sz="5400" b="1" dirty="0">
               <a:solidFill>
@@ -4713,21 +4713,13 @@
                   <a:srgbClr val="383288"/>
                 </a:solidFill>
               </a:rPr>
-              <a:t>Руководитель</a:t>
-            </a:r>
-            <a:r>
-              <a:rPr lang="ru-RU" sz="2400" b="1" dirty="0" smtClean="0">
-                <a:solidFill>
-                  <a:srgbClr val="383288"/>
-                </a:solidFill>
-              </a:rPr>
-              <a:t>:</a:t>
+              <a:t>Руководитель:</a:t>
             </a:r>
           </a:p>
           <a:p>
             <a:r>
               <a:rPr lang="ru-RU" sz="2400" dirty="0" smtClean="0"/>
-              <a:t>Он есть?</a:t>
+              <a:t>Неклюдова Наталья </a:t>
             </a:r>
             <a:endParaRPr lang="ru-RU" sz="2400" dirty="0"/>
           </a:p>
@@ -4795,54 +4787,6 @@
           </a:prstGeom>
         </p:spPr>
       </p:pic>
-      <p:sp>
-        <p:nvSpPr>
-          <p:cNvPr id="3" name="Прямоугольник 2">
-            <a:extLst>
-              <a:ext uri="{FF2B5EF4-FFF2-40B4-BE49-F238E27FC236}">
-                <a16:creationId xmlns:a16="http://schemas.microsoft.com/office/drawing/2014/main" id="{8830B0E4-414D-DE47-963E-2DD4F32F7ECA}"/>
-              </a:ext>
-            </a:extLst>
-          </p:cNvPr>
-          <p:cNvSpPr/>
-          <p:nvPr/>
-        </p:nvSpPr>
-        <p:spPr>
-          <a:xfrm>
-            <a:off x="2944368" y="111561"/>
-            <a:ext cx="7430556" cy="1569660"/>
-          </a:xfrm>
-          <a:prstGeom prst="rect">
-            <a:avLst/>
-          </a:prstGeom>
-        </p:spPr>
-        <p:txBody>
-          <a:bodyPr wrap="square">
-            <a:spAutoFit/>
-          </a:bodyPr>
-          <a:lstStyle/>
-          <a:p>
-            <a:r>
-              <a:rPr lang="ru-RU" sz="1600" i="1" dirty="0">
-                <a:solidFill>
-                  <a:srgbClr val="00B050"/>
-                </a:solidFill>
-              </a:rPr>
-              <a:t>Титульная страница необходима, чтобы представить аудитории Вас и тему Вашего доклада. Необходимо также указывать научного руководителя, организацию и дату выступления. Это делается в том числе и для того, чтобы при обмене файлами </a:t>
-            </a:r>
-          </a:p>
-          <a:p>
-            <a:r>
-              <a:rPr lang="ru-RU" sz="1600" i="1" dirty="0">
-                <a:solidFill>
-                  <a:srgbClr val="00B050"/>
-                </a:solidFill>
-              </a:rPr>
-              <a:t>с коллегами и при выкладывании в Интернете назначение презентации было понятно без дополнительных комментариев. </a:t>
-            </a:r>
-          </a:p>
-        </p:txBody>
-      </p:sp>
       <p:sp>
         <p:nvSpPr>
           <p:cNvPr id="13" name="TextBox 12">
@@ -5798,8 +5742,8 @@
         </p:nvSpPr>
         <p:spPr bwMode="auto">
           <a:xfrm>
-            <a:off x="5023060" y="2515806"/>
-            <a:ext cx="3201517" cy="338554"/>
+            <a:off x="5016927" y="2328102"/>
+            <a:ext cx="5776004" cy="830997"/>
           </a:xfrm>
           <a:prstGeom prst="rect">
             <a:avLst/>
@@ -5839,7 +5783,7 @@
           </a:extLst>
         </p:spPr>
         <p:txBody>
-          <a:bodyPr vert="horz" wrap="none" lIns="91440" tIns="45720" rIns="91440" bIns="45720" numCol="1" anchor="ctr" anchorCtr="0" compatLnSpc="1">
+          <a:bodyPr vert="horz" wrap="square" lIns="91440" tIns="45720" rIns="91440" bIns="45720" numCol="1" anchor="ctr" anchorCtr="0" compatLnSpc="1">
             <a:prstTxWarp prst="textNoShape">
               <a:avLst/>
             </a:prstTxWarp>
@@ -5865,7 +5809,7 @@
                 </a:solidFill>
                 <a:effectLst/>
               </a:rPr>
-              <a:t>У</a:t>
+              <a:t>На заводах</a:t>
             </a:r>
             <a:r>
               <a:rPr kumimoji="0" lang="ru-RU" altLang="ru-RU" sz="1600" b="0" i="0" u="none" strike="noStrike" cap="none" normalizeH="0" dirty="0" smtClean="0">
@@ -5877,23 +5821,7 @@
                 </a:solidFill>
                 <a:effectLst/>
               </a:rPr>
-              <a:t> нас заказали –</a:t>
-            </a:r>
-            <a:r>
-              <a:rPr lang="ru-RU" altLang="ru-RU" sz="1600" dirty="0">
-                <a:solidFill>
-                  <a:srgbClr val="000000"/>
-                </a:solidFill>
-              </a:rPr>
-              <a:t> </a:t>
-            </a:r>
-            <a:r>
-              <a:rPr lang="ru-RU" altLang="ru-RU" sz="1600" dirty="0" smtClean="0">
-                <a:solidFill>
-                  <a:srgbClr val="000000"/>
-                </a:solidFill>
-              </a:rPr>
-              <a:t>мы делаем</a:t>
+              <a:t> требуются машины для измерения деталей, которые очень дорого обходятся в покупке и обслуживании</a:t>
             </a:r>
             <a:endParaRPr kumimoji="0" lang="ru-RU" altLang="ru-RU" sz="1600" b="0" i="0" u="none" strike="noStrike" cap="none" normalizeH="0" dirty="0" smtClean="0">
               <a:ln>
@@ -5923,8 +5851,8 @@
         </p:nvSpPr>
         <p:spPr bwMode="auto">
           <a:xfrm>
-            <a:off x="5017195" y="3512232"/>
-            <a:ext cx="4437433" cy="830997"/>
+            <a:off x="5017195" y="3635343"/>
+            <a:ext cx="4705134" cy="584775"/>
           </a:xfrm>
           <a:prstGeom prst="rect">
             <a:avLst/>
@@ -5973,33 +5901,15 @@
           <a:lstStyle/>
           <a:p>
             <a:r>
-              <a:rPr lang="ru-RU" sz="1600" dirty="0"/>
-              <a:t>- рекомендация музыки на </a:t>
-            </a:r>
-            <a:r>
-              <a:rPr lang="en-US" sz="1600" dirty="0" err="1"/>
-              <a:t>Last.fm</a:t>
-            </a:r>
-            <a:endParaRPr lang="en-US" sz="1600" dirty="0"/>
-          </a:p>
-          <a:p>
-            <a:r>
-              <a:rPr lang="ru-RU" sz="1600" dirty="0"/>
-              <a:t>- рекомендация товаров на </a:t>
-            </a:r>
-            <a:r>
-              <a:rPr lang="en-US" sz="1600" dirty="0"/>
-              <a:t>Amazon</a:t>
-            </a:r>
-          </a:p>
-          <a:p>
-            <a:r>
-              <a:rPr lang="ru-RU" sz="1600" dirty="0"/>
-              <a:t>- рекомендация фильмов на </a:t>
-            </a:r>
-            <a:r>
-              <a:rPr lang="en-US" sz="1600" dirty="0" err="1"/>
-              <a:t>netflix.com</a:t>
+              <a:rPr lang="ru-RU" sz="1600" dirty="0" smtClean="0"/>
+              <a:t>Сказать это сделать кому-нибудь другому</a:t>
+            </a:r>
+            <a:endParaRPr lang="en-US" sz="1600" dirty="0" smtClean="0"/>
+          </a:p>
+          <a:p>
+            <a:r>
+              <a:rPr lang="ru-RU" sz="1600" dirty="0" smtClean="0"/>
+              <a:t>Не найдено</a:t>
             </a:r>
             <a:endParaRPr lang="en-US" sz="1600" dirty="0"/>
           </a:p>
@@ -6020,7 +5930,7 @@
         <p:spPr>
           <a:xfrm>
             <a:off x="5017195" y="1402000"/>
-            <a:ext cx="6096000" cy="338554"/>
+            <a:ext cx="6096000" cy="584775"/>
           </a:xfrm>
           <a:prstGeom prst="rect">
             <a:avLst/>
@@ -6034,7 +5944,11 @@
           <a:p>
             <a:r>
               <a:rPr lang="ru-RU" sz="1600" dirty="0" smtClean="0"/>
-              <a:t>Определение границы детали</a:t>
+              <a:t>Определение границы </a:t>
+            </a:r>
+            <a:r>
+              <a:rPr lang="ru-RU" sz="1600" dirty="0" smtClean="0"/>
+              <a:t>детали, нахождение её размеров</a:t>
             </a:r>
             <a:endParaRPr lang="ru-RU" sz="1600" dirty="0"/>
           </a:p>
@@ -6226,8 +6140,8 @@
         </p:nvSpPr>
         <p:spPr bwMode="auto">
           <a:xfrm>
-            <a:off x="5028918" y="4684557"/>
-            <a:ext cx="4846198" cy="584775"/>
+            <a:off x="5028918" y="4807667"/>
+            <a:ext cx="2440092" cy="338554"/>
           </a:xfrm>
           <a:prstGeom prst="rect">
             <a:avLst/>
@@ -6276,14 +6190,8 @@
           <a:lstStyle/>
           <a:p>
             <a:r>
-              <a:rPr lang="ru-RU" sz="1600" dirty="0"/>
-              <a:t>создать систему, учитывающую сложность </a:t>
-            </a:r>
-          </a:p>
-          <a:p>
-            <a:r>
-              <a:rPr lang="ru-RU" sz="1600" dirty="0"/>
-              <a:t>человеческих реакций</a:t>
+              <a:rPr lang="ru-RU" sz="1600" dirty="0" smtClean="0"/>
+              <a:t>Дать задание другим</a:t>
             </a:r>
             <a:endParaRPr lang="en-US" sz="1600" dirty="0"/>
           </a:p>
@@ -7212,14 +7120,14 @@
           <p:nvPr>
             <p:extLst>
               <p:ext uri="{D42A27DB-BD31-4B8C-83A1-F6EECF244321}">
-                <p14:modId xmlns:p14="http://schemas.microsoft.com/office/powerpoint/2010/main" val="2292746265"/>
+                <p14:modId xmlns:p14="http://schemas.microsoft.com/office/powerpoint/2010/main" val="1476758034"/>
               </p:ext>
             </p:extLst>
           </p:nvPr>
         </p:nvGraphicFramePr>
         <p:xfrm>
           <a:off x="593936" y="977640"/>
-          <a:ext cx="10787336" cy="5049194"/>
+          <a:ext cx="10787336" cy="4195800"/>
         </p:xfrm>
         <a:graphic>
           <a:graphicData uri="http://schemas.openxmlformats.org/drawingml/2006/table">
@@ -7295,10 +7203,10 @@
                         </a:spcAft>
                       </a:pPr>
                       <a:r>
-                        <a:rPr lang="ru-RU" sz="1600" u="none" strike="noStrike" kern="1200" dirty="0">
+                        <a:rPr lang="ru-RU" sz="1600" u="none" strike="noStrike" kern="1200" dirty="0" smtClean="0">
                           <a:effectLst/>
                         </a:rPr>
-                        <a:t>Автоматизированное создание экспозиции на основе эмоциональных оценок</a:t>
+                        <a:t>Создать программу для измерительной машины</a:t>
                       </a:r>
                       <a:endParaRPr lang="ru-RU" sz="1600" dirty="0">
                         <a:solidFill>
@@ -7364,39 +7272,57 @@
                     <a:bodyPr/>
                     <a:lstStyle/>
                     <a:p>
-                      <a:pPr rtl="0" fontAlgn="base"/>
+                      <a:pPr marL="285750" indent="-285750" rtl="0" fontAlgn="base">
+                        <a:buFontTx/>
+                        <a:buChar char="-"/>
+                      </a:pPr>
                       <a:r>
-                        <a:rPr lang="ru-RU" sz="1600" u="none" strike="noStrike" kern="1200" dirty="0">
+                        <a:rPr lang="ru-RU" sz="1600" u="none" strike="noStrike" kern="1200" baseline="0" dirty="0" smtClean="0">
                           <a:effectLst/>
                         </a:rPr>
-                        <a:t>- Предварительная обработка данных</a:t>
+                        <a:t>Создание </a:t>
+                      </a:r>
+                      <a:r>
+                        <a:rPr lang="ru-RU" sz="1600" b="0" i="0" u="none" strike="noStrike" kern="1200" dirty="0" smtClean="0">
+                          <a:solidFill>
+                            <a:schemeClr val="dk1"/>
+                          </a:solidFill>
+                          <a:effectLst/>
+                          <a:latin typeface="+mn-lt"/>
+                          <a:ea typeface="+mn-ea"/>
+                          <a:cs typeface="+mn-cs"/>
+                        </a:rPr>
+                        <a:t>нескольких способов определения детали и её контуров</a:t>
                       </a:r>
                     </a:p>
                     <a:p>
-                      <a:pPr rtl="0" fontAlgn="base"/>
+                      <a:pPr marL="285750" indent="-285750" rtl="0" fontAlgn="base">
+                        <a:buFontTx/>
+                        <a:buChar char="-"/>
+                      </a:pPr>
                       <a:r>
-                        <a:rPr lang="ru-RU" sz="1600" u="none" strike="noStrike" kern="1200" dirty="0">
+                        <a:rPr lang="ru-RU" sz="1600" b="0" i="0" u="none" strike="noStrike" kern="1200" dirty="0" smtClean="0">
+                          <a:solidFill>
+                            <a:schemeClr val="dk1"/>
+                          </a:solidFill>
                           <a:effectLst/>
+                          <a:latin typeface="+mn-lt"/>
+                          <a:ea typeface="+mn-ea"/>
+                          <a:cs typeface="+mn-cs"/>
                         </a:rPr>
-                        <a:t>- Создание рекомендательной системы, предсказывающей эмоциональную реакцию пользователей на картины на основе латентных моделей</a:t>
+                        <a:t>Автоматическое</a:t>
                       </a:r>
-                    </a:p>
-                    <a:p>
-                      <a:pPr rtl="0" fontAlgn="base"/>
                       <a:r>
-                        <a:rPr lang="ru-RU" sz="1600" u="none" strike="noStrike" kern="1200" dirty="0">
+                        <a:rPr lang="ru-RU" sz="1600" b="0" i="0" u="none" strike="noStrike" kern="1200" baseline="0" dirty="0" smtClean="0">
+                          <a:solidFill>
+                            <a:schemeClr val="dk1"/>
+                          </a:solidFill>
                           <a:effectLst/>
+                          <a:latin typeface="+mn-lt"/>
+                          <a:ea typeface="+mn-ea"/>
+                          <a:cs typeface="+mn-cs"/>
                         </a:rPr>
-                        <a:t>- Визуализация результатов работы алгоритма в виде коллажа-фрактала имеющейся базы картин с учетом индивидуальных предпочтений пользователя</a:t>
-                      </a:r>
-                    </a:p>
-                    <a:p>
-                      <a:pPr rtl="0" fontAlgn="base"/>
-                      <a:r>
-                        <a:rPr lang="ru-RU" sz="1600" u="none" strike="noStrike" kern="1200" dirty="0">
-                          <a:effectLst/>
-                        </a:rPr>
-                        <a:t>- Создание пользовательского интерфейса</a:t>
+                        <a:t> определение размера детали</a:t>
                       </a:r>
                       <a:endParaRPr lang="ru-RU" sz="1600" b="0" i="0" u="none" strike="noStrike" kern="1200" dirty="0">
                         <a:solidFill>
@@ -7465,48 +7391,6 @@
                     <a:lstStyle/>
                     <a:p>
                       <a:pPr rtl="0" fontAlgn="base"/>
-                      <a:r>
-                        <a:rPr lang="ru-RU" sz="1600" u="none" strike="noStrike" kern="1200" dirty="0">
-                          <a:effectLst/>
-                        </a:rPr>
-                        <a:t>методы генерации случайных величин</a:t>
-                      </a:r>
-                    </a:p>
-                    <a:p>
-                      <a:pPr rtl="0" fontAlgn="base"/>
-                      <a:r>
-                        <a:rPr lang="ru-RU" sz="1600" u="none" strike="noStrike" kern="1200" dirty="0">
-                          <a:effectLst/>
-                        </a:rPr>
-                        <a:t>латентные методы рекомендательных систем </a:t>
-                      </a:r>
-                    </a:p>
-                    <a:p>
-                      <a:pPr rtl="0" fontAlgn="base"/>
-                      <a:r>
-                        <a:rPr lang="ru-RU" sz="1600" u="none" strike="noStrike" kern="1200" dirty="0">
-                          <a:effectLst/>
-                        </a:rPr>
-                        <a:t>модифицированный метод сингулярного разложения матриц</a:t>
-                      </a:r>
-                    </a:p>
-                    <a:p>
-                      <a:pPr rtl="0" fontAlgn="base"/>
-                      <a:r>
-                        <a:rPr lang="ru-RU" sz="1600" u="none" strike="noStrike" kern="1200" dirty="0">
-                          <a:effectLst/>
-                        </a:rPr>
-                        <a:t>метод стохастического градиента</a:t>
-                      </a:r>
-                    </a:p>
-                    <a:p>
-                      <a:pPr rtl="0" fontAlgn="base"/>
-                      <a:r>
-                        <a:rPr lang="ru-RU" sz="1600" u="none" strike="noStrike" kern="1200" dirty="0">
-                          <a:effectLst/>
-                        </a:rPr>
-                        <a:t>методы визуализации</a:t>
-                      </a:r>
                       <a:endParaRPr lang="ru-RU" sz="1600" b="0" i="0" u="none" strike="noStrike" kern="1200" dirty="0">
                         <a:solidFill>
                           <a:schemeClr val="dk1"/>
@@ -7602,43 +7486,16 @@
                         <a:t>библиотека </a:t>
                       </a:r>
                       <a:r>
-                        <a:rPr lang="en-US" sz="1600" u="none" strike="noStrike" kern="1200" dirty="0">
+                        <a:rPr lang="en-US" sz="1600" u="none" strike="noStrike" kern="1200" dirty="0" smtClean="0">
                           <a:effectLst/>
                         </a:rPr>
-                        <a:t>numpy </a:t>
-                      </a:r>
-                      <a:r>
-                        <a:rPr lang="ru-RU" sz="1600" u="none" strike="noStrike" kern="1200" dirty="0">
-                          <a:effectLst/>
-                        </a:rPr>
-                        <a:t>для матричных вычислений и реализации ряда математических функций</a:t>
+                        <a:t>openCV</a:t>
                       </a:r>
                     </a:p>
                     <a:p>
                       <a:pPr rtl="0" fontAlgn="base"/>
                       <a:r>
-                        <a:rPr lang="ru-RU" sz="1600" u="none" strike="noStrike" kern="1200" dirty="0">
-                          <a:effectLst/>
-                        </a:rPr>
-                        <a:t>библиотека </a:t>
-                      </a:r>
-                      <a:r>
-                        <a:rPr lang="en-US" sz="1600" u="none" strike="noStrike" kern="1200" dirty="0">
-                          <a:effectLst/>
-                        </a:rPr>
-                        <a:t>pandas </a:t>
-                      </a:r>
-                      <a:r>
-                        <a:rPr lang="ru-RU" sz="1600" u="none" strike="noStrike" kern="1200" dirty="0">
-                          <a:effectLst/>
-                        </a:rPr>
-                        <a:t>для работы с табличными базами данных </a:t>
-                      </a:r>
-                    </a:p>
-                    <a:p>
-                      <a:pPr rtl="0" fontAlgn="base"/>
-                      <a:r>
-                        <a:rPr lang="ru-RU" sz="1600" u="none" strike="noStrike" kern="1200" dirty="0">
+                        <a:rPr lang="ru-RU" sz="1600" u="none" strike="noStrike" kern="1200" dirty="0" smtClean="0">
                           <a:effectLst/>
                         </a:rPr>
                         <a:t>библиотека </a:t>
@@ -7655,42 +7512,6 @@
                         </a:rPr>
                         <a:t>для визуализации данных </a:t>
                       </a:r>
-                    </a:p>
-                    <a:p>
-                      <a:pPr rtl="0" fontAlgn="base"/>
-                      <a:r>
-                        <a:rPr lang="ru-RU" sz="1600" u="none" strike="noStrike" kern="1200" dirty="0">
-                          <a:effectLst/>
-                        </a:rPr>
-                        <a:t>библиотека </a:t>
-                      </a:r>
-                      <a:r>
-                        <a:rPr lang="en-US" sz="1600" u="none" strike="noStrike" kern="1200" dirty="0">
-                          <a:effectLst/>
-                        </a:rPr>
-                        <a:t>pillow </a:t>
-                      </a:r>
-                      <a:r>
-                        <a:rPr lang="ru-RU" sz="1600" u="none" strike="noStrike" kern="1200" dirty="0">
-                          <a:effectLst/>
-                        </a:rPr>
-                        <a:t>для обработки графики и изображений </a:t>
-                      </a:r>
-                      <a:r>
-                        <a:rPr lang="en-US" sz="1600" u="none" strike="noStrike" kern="1200" dirty="0">
-                          <a:effectLst/>
-                        </a:rPr>
-                        <a:t>Java </a:t>
-                      </a:r>
-                      <a:endParaRPr lang="en-US" sz="1600" b="0" i="0" u="none" strike="noStrike" kern="1200" dirty="0">
-                        <a:solidFill>
-                          <a:schemeClr val="dk1"/>
-                        </a:solidFill>
-                        <a:effectLst/>
-                        <a:latin typeface="+mn-lt"/>
-                        <a:ea typeface="+mn-ea"/>
-                        <a:cs typeface="+mn-cs"/>
-                      </a:endParaRPr>
                     </a:p>
                   </a:txBody>
                   <a:tcPr marL="76200" marR="76200" marT="76200" marB="76200">
@@ -8798,8 +8619,8 @@
         </p:nvSpPr>
         <p:spPr>
           <a:xfrm>
-            <a:off x="2935715" y="2370026"/>
-            <a:ext cx="7430556" cy="338554"/>
+            <a:off x="2872703" y="1986017"/>
+            <a:ext cx="7430556" cy="2062103"/>
           </a:xfrm>
           <a:prstGeom prst="rect">
             <a:avLst/>
@@ -8812,26 +8633,40 @@
           <a:lstStyle/>
           <a:p>
             <a:r>
-              <a:rPr lang="ru-RU" sz="1600" i="1" dirty="0">
-                <a:solidFill>
-                  <a:srgbClr val="00B050"/>
-                </a:solidFill>
-              </a:rPr>
-              <a:t>Описание концепции, например, модели </a:t>
-            </a:r>
-            <a:r>
-              <a:rPr lang="ru-RU" sz="1600" i="1" dirty="0" err="1">
-                <a:solidFill>
-                  <a:srgbClr val="00B050"/>
-                </a:solidFill>
-              </a:rPr>
-              <a:t>Келлермана-Плутчика</a:t>
-            </a:r>
-            <a:endParaRPr lang="ru-RU" sz="1600" i="1" dirty="0">
-              <a:solidFill>
-                <a:srgbClr val="00B050"/>
-              </a:solidFill>
-            </a:endParaRPr>
+              <a:rPr lang="ru-RU" sz="1600" i="1" dirty="0" smtClean="0"/>
+              <a:t>Определение контуров детали производятся командами библиотеки </a:t>
+            </a:r>
+            <a:r>
+              <a:rPr lang="en-US" sz="1600" i="1" dirty="0" smtClean="0"/>
+              <a:t>cv2 Canny, inRange </a:t>
+            </a:r>
+            <a:r>
+              <a:rPr lang="ru-RU" sz="1600" i="1" dirty="0" smtClean="0"/>
+              <a:t>и </a:t>
+            </a:r>
+            <a:r>
+              <a:rPr lang="en-US" sz="1600" i="1" dirty="0" smtClean="0"/>
+              <a:t>findContours,</a:t>
+            </a:r>
+          </a:p>
+          <a:p>
+            <a:endParaRPr lang="ru-RU" sz="1600" i="1" dirty="0" smtClean="0"/>
+          </a:p>
+          <a:p>
+            <a:endParaRPr lang="ru-RU" sz="1600" i="1" dirty="0"/>
+          </a:p>
+          <a:p>
+            <a:endParaRPr lang="ru-RU" sz="1600" i="1" dirty="0" smtClean="0"/>
+          </a:p>
+          <a:p>
+            <a:endParaRPr lang="ru-RU" sz="1600" i="1" dirty="0"/>
+          </a:p>
+          <a:p>
+            <a:r>
+              <a:rPr lang="ru-RU" sz="1600" i="1" dirty="0" smtClean="0"/>
+              <a:t>Определение размеров детали ещё не сделано, но предполагается по пикселям или ещё как-нибудь</a:t>
+            </a:r>
+            <a:endParaRPr lang="ru-RU" sz="1600" i="1" dirty="0"/>
           </a:p>
         </p:txBody>
       </p:sp>
@@ -9047,6 +8882,13 @@
   <p:clrMapOvr>
     <a:masterClrMapping/>
   </p:clrMapOvr>
+  <p:timing>
+    <p:tnLst>
+      <p:par>
+        <p:cTn id="1" dur="indefinite" restart="never" nodeType="tmRoot"/>
+      </p:par>
+    </p:tnLst>
+  </p:timing>
 </p:sld>
 </file>
 
@@ -9864,6 +9706,13 @@
   <p:clrMapOvr>
     <a:masterClrMapping/>
   </p:clrMapOvr>
+  <p:timing>
+    <p:tnLst>
+      <p:par>
+        <p:cTn id="1" dur="indefinite" restart="never" nodeType="tmRoot"/>
+      </p:par>
+    </p:tnLst>
+  </p:timing>
 </p:sld>
 </file>
 
@@ -10187,7 +10036,7 @@
         <p:spPr>
           <a:xfrm>
             <a:off x="1125516" y="5148966"/>
-            <a:ext cx="7430556" cy="830997"/>
+            <a:ext cx="7430556" cy="338554"/>
           </a:xfrm>
           <a:prstGeom prst="rect">
             <a:avLst/>
@@ -10200,25 +10049,14 @@
           <a:lstStyle/>
           <a:p>
             <a:r>
-              <a:rPr lang="ru-RU" sz="1600" dirty="0"/>
-              <a:t>Алгоритм определяет эмоцию грусти и отвращения как эмоцию гнева, например: «Она </a:t>
-            </a:r>
-            <a:r>
-              <a:rPr lang="ru-RU" sz="1600" b="1" dirty="0"/>
-              <a:t>несла</a:t>
-            </a:r>
-            <a:r>
-              <a:rPr lang="ru-RU" sz="1600" dirty="0"/>
-              <a:t> в руках отвратительные, тревожные желтые </a:t>
-            </a:r>
-            <a:r>
-              <a:rPr lang="ru-RU" sz="1600" b="1" dirty="0"/>
-              <a:t>цветы</a:t>
-            </a:r>
-            <a:r>
-              <a:rPr lang="ru-RU" sz="1600" dirty="0"/>
-              <a:t>.»</a:t>
-            </a:r>
+              <a:rPr lang="en-US" sz="1600" dirty="0"/>
+              <a:t>#</a:t>
+            </a:r>
+            <a:r>
+              <a:rPr lang="ru-RU" sz="1600" dirty="0" smtClean="0"/>
+              <a:t>Будет немного попозже, ещё надо поработать</a:t>
+            </a:r>
+            <a:endParaRPr lang="ru-RU" sz="1600" dirty="0"/>
           </a:p>
         </p:txBody>
       </p:sp>
@@ -10470,6 +10308,13 @@
   <p:clrMapOvr>
     <a:masterClrMapping/>
   </p:clrMapOvr>
+  <p:timing>
+    <p:tnLst>
+      <p:par>
+        <p:cTn id="1" dur="indefinite" restart="never" nodeType="tmRoot"/>
+      </p:par>
+    </p:tnLst>
+  </p:timing>
 </p:sld>
 </file>
 
@@ -10801,7 +10646,7 @@
         <p:spPr>
           <a:xfrm>
             <a:off x="1125516" y="3881026"/>
-            <a:ext cx="9641805" cy="2693045"/>
+            <a:ext cx="9641805" cy="959237"/>
           </a:xfrm>
           <a:prstGeom prst="rect">
             <a:avLst/>
@@ -10819,27 +10664,12 @@
               </a:spcBef>
             </a:pPr>
             <a:r>
-              <a:rPr lang="ru-RU" sz="1600" dirty="0">
+              <a:rPr lang="ru-RU" sz="1600" dirty="0" smtClean="0">
                 <a:solidFill>
                   <a:srgbClr val="000000"/>
                 </a:solidFill>
               </a:rPr>
-              <a:t>ОБРАЗОВАНИЕ И ИСКУССТВОВЕДЕНИЕ</a:t>
-            </a:r>
-          </a:p>
-          <a:p>
-            <a:pPr marL="457200">
-              <a:spcBef>
-                <a:spcPts val="1000"/>
-              </a:spcBef>
-            </a:pPr>
-            <a:r>
-              <a:rPr lang="ru-RU" sz="1600" dirty="0">
-                <a:solidFill>
-                  <a:srgbClr val="000000"/>
-                </a:solidFill>
-              </a:rPr>
-              <a:t>Наша программа может рассказать пользователям  о новых для них направлениях в искусстве, художниках, галереях.</a:t>
+              <a:t>Производство</a:t>
             </a:r>
           </a:p>
           <a:p>
@@ -10854,38 +10684,21 @@
                   <a:srgbClr val="000000"/>
                 </a:solidFill>
               </a:rPr>
-              <a:t>ТУРИЗМ</a:t>
-            </a:r>
-          </a:p>
-          <a:p>
-            <a:pPr marL="457200">
-              <a:spcBef>
-                <a:spcPts val="1000"/>
-              </a:spcBef>
-            </a:pPr>
-            <a:r>
-              <a:rPr lang="ru-RU" sz="1600" dirty="0">
+              <a:t> </a:t>
+            </a:r>
+            <a:r>
+              <a:rPr lang="ru-RU" sz="1600" dirty="0" smtClean="0">
                 <a:solidFill>
                   <a:srgbClr val="000000"/>
                 </a:solidFill>
               </a:rPr>
-              <a:t>Благодаря нашей программе, станет возможным прокладывать туристический городской маршрут в зависимости от вкусов и настроения человека, что позволит получать больше удовольствия от путешествия.</a:t>
-            </a:r>
-            <a:r>
-              <a:rPr lang="ru-RU" sz="1600" dirty="0"/>
-              <a:t/>
-            </a:r>
-            <a:br>
-              <a:rPr lang="ru-RU" sz="1600" dirty="0"/>
-            </a:br>
-            <a:r>
-              <a:rPr lang="ru-RU" sz="1600" dirty="0"/>
-              <a:t/>
-            </a:r>
-            <a:br>
-              <a:rPr lang="ru-RU" sz="1600" dirty="0"/>
-            </a:br>
-            <a:endParaRPr lang="ru-RU" sz="1600" dirty="0"/>
+              <a:t>     Наша программа может использоваться на производствах для замены более дорогих аналогов подобных машин</a:t>
+            </a:r>
+            <a:endParaRPr lang="ru-RU" sz="1600" dirty="0" smtClean="0">
+              <a:solidFill>
+                <a:srgbClr val="000000"/>
+              </a:solidFill>
+            </a:endParaRPr>
           </a:p>
         </p:txBody>
       </p:sp>
@@ -10917,24 +10730,68 @@
           <a:lstStyle/>
           <a:p>
             <a:r>
+              <a:rPr lang="ru-RU" sz="1600" dirty="0" smtClean="0">
+                <a:solidFill>
+                  <a:srgbClr val="000000"/>
+                </a:solidFill>
+              </a:rPr>
+              <a:t>Алгоритм ошибается в случая плохого освещения или фона, цвет которого отличается от зелёного</a:t>
+            </a:r>
+            <a:r>
               <a:rPr lang="ru-RU" sz="1600" dirty="0">
                 <a:solidFill>
                   <a:srgbClr val="000000"/>
                 </a:solidFill>
               </a:rPr>
-              <a:t>Исследована предметная область … Собраны данные … Построена модель классификации … Реализованы алгоритмы и их модификации … Реализована система … Точность итогового алгоритма … Алгоритм ошибается в случаях … Алгоритм хорошо работает в случаях… </a:t>
-            </a:r>
-          </a:p>
-          <a:p>
+              <a:t>.</a:t>
+            </a:r>
+            <a:r>
+              <a:rPr lang="ru-RU" sz="1600" dirty="0" smtClean="0">
+                <a:solidFill>
+                  <a:srgbClr val="000000"/>
+                </a:solidFill>
+              </a:rPr>
+              <a:t> </a:t>
+            </a:r>
             <a:r>
               <a:rPr lang="ru-RU" sz="1600" dirty="0">
                 <a:solidFill>
                   <a:srgbClr val="000000"/>
                 </a:solidFill>
               </a:rPr>
-              <a:t>Выполнено автоматизированное создание экспозиции на основе эмоциональных оценок. </a:t>
-            </a:r>
-            <a:endParaRPr lang="ru-RU" sz="1600" dirty="0"/>
+              <a:t>Алгоритм хорошо работает в </a:t>
+            </a:r>
+            <a:r>
+              <a:rPr lang="ru-RU" sz="1600" dirty="0" smtClean="0">
+                <a:solidFill>
+                  <a:srgbClr val="000000"/>
+                </a:solidFill>
+              </a:rPr>
+              <a:t>случа</a:t>
+            </a:r>
+            <a:r>
+              <a:rPr lang="ru-RU" sz="1600" dirty="0" smtClean="0">
+                <a:solidFill>
+                  <a:srgbClr val="000000"/>
+                </a:solidFill>
+              </a:rPr>
+              <a:t>ях хорошего освещения детали на зелёном фоне.</a:t>
+            </a:r>
+          </a:p>
+          <a:p>
+            <a:r>
+              <a:rPr lang="ru-RU" sz="1600" dirty="0" smtClean="0">
+                <a:solidFill>
+                  <a:srgbClr val="000000"/>
+                </a:solidFill>
+              </a:rPr>
+              <a:t>В остальном всё работает хорошо</a:t>
+            </a:r>
+            <a:endParaRPr lang="ru-RU" sz="1600" dirty="0">
+              <a:solidFill>
+                <a:srgbClr val="000000"/>
+              </a:solidFill>
+            </a:endParaRPr>
           </a:p>
         </p:txBody>
       </p:sp>
@@ -11300,7 +11157,7 @@
         <p:spPr>
           <a:xfrm>
             <a:off x="634788" y="3672715"/>
-            <a:ext cx="2090829" cy="830997"/>
+            <a:ext cx="2090829" cy="1077218"/>
           </a:xfrm>
           <a:prstGeom prst="rect">
             <a:avLst/>
@@ -11314,9 +11171,10 @@
           <a:lstStyle/>
           <a:p>
             <a:r>
-              <a:rPr lang="ru-RU" sz="1600" dirty="0"/>
-              <a:t>Иванова Инна, </a:t>
-            </a:r>
+              <a:rPr lang="ru-RU" sz="1600" dirty="0" smtClean="0"/>
+              <a:t>Неклюдова Наталья, </a:t>
+            </a:r>
+            <a:endParaRPr lang="ru-RU" sz="1600" dirty="0"/>
           </a:p>
           <a:p>
             <a:r>
@@ -11330,44 +11188,6 @@
               <a:t>ivanova@mail.ru</a:t>
             </a:r>
             <a:endParaRPr lang="ru-RU" sz="1600" dirty="0"/>
-          </a:p>
-        </p:txBody>
-      </p:sp>
-      <p:sp>
-        <p:nvSpPr>
-          <p:cNvPr id="8" name="Прямоугольник 7">
-            <a:extLst>
-              <a:ext uri="{FF2B5EF4-FFF2-40B4-BE49-F238E27FC236}">
-                <a16:creationId xmlns:a16="http://schemas.microsoft.com/office/drawing/2014/main" id="{566CEFB7-2CD7-8749-8735-6830D1C48B22}"/>
-              </a:ext>
-            </a:extLst>
-          </p:cNvPr>
-          <p:cNvSpPr/>
-          <p:nvPr/>
-        </p:nvSpPr>
-        <p:spPr>
-          <a:xfrm>
-            <a:off x="479393" y="5645179"/>
-            <a:ext cx="8661916" cy="584775"/>
-          </a:xfrm>
-          <a:prstGeom prst="rect">
-            <a:avLst/>
-          </a:prstGeom>
-        </p:spPr>
-        <p:txBody>
-          <a:bodyPr wrap="square">
-            <a:spAutoFit/>
-          </a:bodyPr>
-          <a:lstStyle/>
-          <a:p>
-            <a:r>
-              <a:rPr lang="ru-RU" sz="1600" i="1" dirty="0">
-                <a:solidFill>
-                  <a:srgbClr val="00B050"/>
-                </a:solidFill>
-              </a:rPr>
-              <a:t>Необходимо также добавить контактные данные, чтобы в случае заинтересованностью Вашей работой коллеги могли с Вами связаться</a:t>
-            </a:r>
           </a:p>
         </p:txBody>
       </p:sp>
@@ -11485,8 +11305,8 @@
         </p:nvSpPr>
         <p:spPr>
           <a:xfrm>
-            <a:off x="3201769" y="3672714"/>
-            <a:ext cx="1997418" cy="584775"/>
+            <a:off x="3192904" y="3672715"/>
+            <a:ext cx="2376072" cy="1077218"/>
           </a:xfrm>
           <a:prstGeom prst="rect">
             <a:avLst/>
@@ -11500,15 +11320,27 @@
           <a:lstStyle/>
           <a:p>
             <a:r>
-              <a:rPr lang="ru-RU" sz="1600" dirty="0"/>
-              <a:t>Петров Потап, </a:t>
-            </a:r>
-          </a:p>
-          <a:p>
-            <a:r>
-              <a:rPr lang="ru-RU" sz="1600" dirty="0"/>
-              <a:t>архитектор</a:t>
-            </a:r>
+              <a:rPr lang="ru-RU" sz="1600" dirty="0" smtClean="0"/>
+              <a:t>Филатов Андрей, </a:t>
+            </a:r>
+            <a:endParaRPr lang="ru-RU" sz="1600" dirty="0"/>
+          </a:p>
+          <a:p>
+            <a:r>
+              <a:rPr lang="ru-RU" sz="1600" dirty="0" smtClean="0"/>
+              <a:t>Разработчик, тестировщик</a:t>
+            </a:r>
+            <a:r>
+              <a:rPr lang="ru-RU" sz="1600" dirty="0" smtClean="0"/>
+              <a:t>,</a:t>
+            </a:r>
+          </a:p>
+          <a:p>
+            <a:r>
+              <a:rPr lang="en-US" sz="1600" dirty="0" smtClean="0"/>
+              <a:t>arava003@yandex.ru</a:t>
+            </a:r>
+            <a:endParaRPr lang="ru-RU" sz="1600" dirty="0" smtClean="0"/>
           </a:p>
         </p:txBody>
       </p:sp>
@@ -11529,534 +11361,6 @@
         <p:spPr>
           <a:xfrm>
             <a:off x="3206893" y="1753654"/>
-            <a:ext cx="1992294" cy="1731319"/>
-          </a:xfrm>
-          <a:prstGeom prst="rect">
-            <a:avLst/>
-          </a:prstGeom>
-          <a:ln/>
-        </p:spPr>
-        <p:style>
-          <a:lnRef idx="2">
-            <a:schemeClr val="accent2"/>
-          </a:lnRef>
-          <a:fillRef idx="1">
-            <a:schemeClr val="lt1"/>
-          </a:fillRef>
-          <a:effectRef idx="0">
-            <a:schemeClr val="accent2"/>
-          </a:effectRef>
-          <a:fontRef idx="minor">
-            <a:schemeClr val="dk1"/>
-          </a:fontRef>
-        </p:style>
-        <p:txBody>
-          <a:bodyPr vert="horz" lIns="91440" tIns="45720" rIns="91440" bIns="45720" rtlCol="0">
-            <a:normAutofit/>
-          </a:bodyPr>
-          <a:lstStyle>
-            <a:lvl1pPr marL="228600" indent="-228600" algn="l" defTabSz="914400" rtl="0" eaLnBrk="1" latinLnBrk="0" hangingPunct="1">
-              <a:lnSpc>
-                <a:spcPct val="90000"/>
-              </a:lnSpc>
-              <a:spcBef>
-                <a:spcPts val="1000"/>
-              </a:spcBef>
-              <a:buFont typeface="Arial" panose="020B0604020202020204" pitchFamily="34" charset="0"/>
-              <a:buChar char="•"/>
-              <a:defRPr sz="2800" kern="1200">
-                <a:solidFill>
-                  <a:schemeClr val="tx1"/>
-                </a:solidFill>
-                <a:latin typeface="+mn-lt"/>
-                <a:ea typeface="+mn-ea"/>
-                <a:cs typeface="+mn-cs"/>
-              </a:defRPr>
-            </a:lvl1pPr>
-            <a:lvl2pPr marL="685800" indent="-228600" algn="l" defTabSz="914400" rtl="0" eaLnBrk="1" latinLnBrk="0" hangingPunct="1">
-              <a:lnSpc>
-                <a:spcPct val="90000"/>
-              </a:lnSpc>
-              <a:spcBef>
-                <a:spcPts val="500"/>
-              </a:spcBef>
-              <a:buFont typeface="Arial" panose="020B0604020202020204" pitchFamily="34" charset="0"/>
-              <a:buChar char="•"/>
-              <a:defRPr sz="2400" kern="1200">
-                <a:solidFill>
-                  <a:schemeClr val="tx1"/>
-                </a:solidFill>
-                <a:latin typeface="+mn-lt"/>
-                <a:ea typeface="+mn-ea"/>
-                <a:cs typeface="+mn-cs"/>
-              </a:defRPr>
-            </a:lvl2pPr>
-            <a:lvl3pPr marL="1143000" indent="-228600" algn="l" defTabSz="914400" rtl="0" eaLnBrk="1" latinLnBrk="0" hangingPunct="1">
-              <a:lnSpc>
-                <a:spcPct val="90000"/>
-              </a:lnSpc>
-              <a:spcBef>
-                <a:spcPts val="500"/>
-              </a:spcBef>
-              <a:buFont typeface="Arial" panose="020B0604020202020204" pitchFamily="34" charset="0"/>
-              <a:buChar char="•"/>
-              <a:defRPr sz="2000" kern="1200">
-                <a:solidFill>
-                  <a:schemeClr val="tx1"/>
-                </a:solidFill>
-                <a:latin typeface="+mn-lt"/>
-                <a:ea typeface="+mn-ea"/>
-                <a:cs typeface="+mn-cs"/>
-              </a:defRPr>
-            </a:lvl3pPr>
-            <a:lvl4pPr marL="1600200" indent="-228600" algn="l" defTabSz="914400" rtl="0" eaLnBrk="1" latinLnBrk="0" hangingPunct="1">
-              <a:lnSpc>
-                <a:spcPct val="90000"/>
-              </a:lnSpc>
-              <a:spcBef>
-                <a:spcPts val="500"/>
-              </a:spcBef>
-              <a:buFont typeface="Arial" panose="020B0604020202020204" pitchFamily="34" charset="0"/>
-              <a:buChar char="•"/>
-              <a:defRPr sz="1800" kern="1200">
-                <a:solidFill>
-                  <a:schemeClr val="tx1"/>
-                </a:solidFill>
-                <a:latin typeface="+mn-lt"/>
-                <a:ea typeface="+mn-ea"/>
-                <a:cs typeface="+mn-cs"/>
-              </a:defRPr>
-            </a:lvl4pPr>
-            <a:lvl5pPr marL="2057400" indent="-228600" algn="l" defTabSz="914400" rtl="0" eaLnBrk="1" latinLnBrk="0" hangingPunct="1">
-              <a:lnSpc>
-                <a:spcPct val="90000"/>
-              </a:lnSpc>
-              <a:spcBef>
-                <a:spcPts val="500"/>
-              </a:spcBef>
-              <a:buFont typeface="Arial" panose="020B0604020202020204" pitchFamily="34" charset="0"/>
-              <a:buChar char="•"/>
-              <a:defRPr sz="1800" kern="1200">
-                <a:solidFill>
-                  <a:schemeClr val="tx1"/>
-                </a:solidFill>
-                <a:latin typeface="+mn-lt"/>
-                <a:ea typeface="+mn-ea"/>
-                <a:cs typeface="+mn-cs"/>
-              </a:defRPr>
-            </a:lvl5pPr>
-            <a:lvl6pPr marL="2514600" indent="-228600" algn="l" defTabSz="914400" rtl="0" eaLnBrk="1" latinLnBrk="0" hangingPunct="1">
-              <a:lnSpc>
-                <a:spcPct val="90000"/>
-              </a:lnSpc>
-              <a:spcBef>
-                <a:spcPts val="500"/>
-              </a:spcBef>
-              <a:buFont typeface="Arial" panose="020B0604020202020204" pitchFamily="34" charset="0"/>
-              <a:buChar char="•"/>
-              <a:defRPr sz="1800" kern="1200">
-                <a:solidFill>
-                  <a:schemeClr val="tx1"/>
-                </a:solidFill>
-                <a:latin typeface="+mn-lt"/>
-                <a:ea typeface="+mn-ea"/>
-                <a:cs typeface="+mn-cs"/>
-              </a:defRPr>
-            </a:lvl6pPr>
-            <a:lvl7pPr marL="2971800" indent="-228600" algn="l" defTabSz="914400" rtl="0" eaLnBrk="1" latinLnBrk="0" hangingPunct="1">
-              <a:lnSpc>
-                <a:spcPct val="90000"/>
-              </a:lnSpc>
-              <a:spcBef>
-                <a:spcPts val="500"/>
-              </a:spcBef>
-              <a:buFont typeface="Arial" panose="020B0604020202020204" pitchFamily="34" charset="0"/>
-              <a:buChar char="•"/>
-              <a:defRPr sz="1800" kern="1200">
-                <a:solidFill>
-                  <a:schemeClr val="tx1"/>
-                </a:solidFill>
-                <a:latin typeface="+mn-lt"/>
-                <a:ea typeface="+mn-ea"/>
-                <a:cs typeface="+mn-cs"/>
-              </a:defRPr>
-            </a:lvl7pPr>
-            <a:lvl8pPr marL="3429000" indent="-228600" algn="l" defTabSz="914400" rtl="0" eaLnBrk="1" latinLnBrk="0" hangingPunct="1">
-              <a:lnSpc>
-                <a:spcPct val="90000"/>
-              </a:lnSpc>
-              <a:spcBef>
-                <a:spcPts val="500"/>
-              </a:spcBef>
-              <a:buFont typeface="Arial" panose="020B0604020202020204" pitchFamily="34" charset="0"/>
-              <a:buChar char="•"/>
-              <a:defRPr sz="1800" kern="1200">
-                <a:solidFill>
-                  <a:schemeClr val="tx1"/>
-                </a:solidFill>
-                <a:latin typeface="+mn-lt"/>
-                <a:ea typeface="+mn-ea"/>
-                <a:cs typeface="+mn-cs"/>
-              </a:defRPr>
-            </a:lvl8pPr>
-            <a:lvl9pPr marL="3886200" indent="-228600" algn="l" defTabSz="914400" rtl="0" eaLnBrk="1" latinLnBrk="0" hangingPunct="1">
-              <a:lnSpc>
-                <a:spcPct val="90000"/>
-              </a:lnSpc>
-              <a:spcBef>
-                <a:spcPts val="500"/>
-              </a:spcBef>
-              <a:buFont typeface="Arial" panose="020B0604020202020204" pitchFamily="34" charset="0"/>
-              <a:buChar char="•"/>
-              <a:defRPr sz="1800" kern="1200">
-                <a:solidFill>
-                  <a:schemeClr val="tx1"/>
-                </a:solidFill>
-                <a:latin typeface="+mn-lt"/>
-                <a:ea typeface="+mn-ea"/>
-                <a:cs typeface="+mn-cs"/>
-              </a:defRPr>
-            </a:lvl9pPr>
-          </a:lstStyle>
-          <a:p>
-            <a:r>
-              <a:rPr lang="ru-RU" sz="1600" i="1">
-                <a:solidFill>
-                  <a:schemeClr val="accent2"/>
-                </a:solidFill>
-              </a:rPr>
-              <a:t>Место для фото</a:t>
-            </a:r>
-            <a:endParaRPr lang="ru-RU" sz="1600" i="1" dirty="0">
-              <a:solidFill>
-                <a:schemeClr val="accent2"/>
-              </a:solidFill>
-            </a:endParaRPr>
-          </a:p>
-        </p:txBody>
-      </p:sp>
-      <p:sp>
-        <p:nvSpPr>
-          <p:cNvPr id="18" name="TextBox 17">
-            <a:extLst>
-              <a:ext uri="{FF2B5EF4-FFF2-40B4-BE49-F238E27FC236}">
-                <a16:creationId xmlns:a16="http://schemas.microsoft.com/office/drawing/2014/main" id="{EE6BD5F0-5087-E34B-BAFE-491E98813D75}"/>
-              </a:ext>
-            </a:extLst>
-          </p:cNvPr>
-          <p:cNvSpPr txBox="1"/>
-          <p:nvPr/>
-        </p:nvSpPr>
-        <p:spPr>
-          <a:xfrm>
-            <a:off x="5798802" y="3666851"/>
-            <a:ext cx="2219783" cy="584775"/>
-          </a:xfrm>
-          <a:prstGeom prst="rect">
-            <a:avLst/>
-          </a:prstGeom>
-          <a:noFill/>
-        </p:spPr>
-        <p:txBody>
-          <a:bodyPr wrap="square" rtlCol="0">
-            <a:spAutoFit/>
-          </a:bodyPr>
-          <a:lstStyle/>
-          <a:p>
-            <a:r>
-              <a:rPr lang="ru-RU" sz="1600" dirty="0"/>
-              <a:t>Симонова Симона, </a:t>
-            </a:r>
-          </a:p>
-          <a:p>
-            <a:r>
-              <a:rPr lang="ru-RU" sz="1600" dirty="0"/>
-              <a:t>разработчик</a:t>
-            </a:r>
-          </a:p>
-        </p:txBody>
-      </p:sp>
-      <p:sp>
-        <p:nvSpPr>
-          <p:cNvPr id="19" name="Объект 2">
-            <a:extLst>
-              <a:ext uri="{FF2B5EF4-FFF2-40B4-BE49-F238E27FC236}">
-                <a16:creationId xmlns:a16="http://schemas.microsoft.com/office/drawing/2014/main" id="{7AE1F650-8694-7149-8B1C-77B9663CB93C}"/>
-              </a:ext>
-            </a:extLst>
-          </p:cNvPr>
-          <p:cNvSpPr txBox="1">
-            <a:spLocks/>
-          </p:cNvSpPr>
-          <p:nvPr/>
-        </p:nvSpPr>
-        <p:spPr>
-          <a:xfrm>
-            <a:off x="5826998" y="1753652"/>
-            <a:ext cx="1992294" cy="1731319"/>
-          </a:xfrm>
-          <a:prstGeom prst="rect">
-            <a:avLst/>
-          </a:prstGeom>
-          <a:ln/>
-        </p:spPr>
-        <p:style>
-          <a:lnRef idx="2">
-            <a:schemeClr val="accent2"/>
-          </a:lnRef>
-          <a:fillRef idx="1">
-            <a:schemeClr val="lt1"/>
-          </a:fillRef>
-          <a:effectRef idx="0">
-            <a:schemeClr val="accent2"/>
-          </a:effectRef>
-          <a:fontRef idx="minor">
-            <a:schemeClr val="dk1"/>
-          </a:fontRef>
-        </p:style>
-        <p:txBody>
-          <a:bodyPr vert="horz" lIns="91440" tIns="45720" rIns="91440" bIns="45720" rtlCol="0">
-            <a:normAutofit/>
-          </a:bodyPr>
-          <a:lstStyle>
-            <a:lvl1pPr marL="228600" indent="-228600" algn="l" defTabSz="914400" rtl="0" eaLnBrk="1" latinLnBrk="0" hangingPunct="1">
-              <a:lnSpc>
-                <a:spcPct val="90000"/>
-              </a:lnSpc>
-              <a:spcBef>
-                <a:spcPts val="1000"/>
-              </a:spcBef>
-              <a:buFont typeface="Arial" panose="020B0604020202020204" pitchFamily="34" charset="0"/>
-              <a:buChar char="•"/>
-              <a:defRPr sz="2800" kern="1200">
-                <a:solidFill>
-                  <a:schemeClr val="tx1"/>
-                </a:solidFill>
-                <a:latin typeface="+mn-lt"/>
-                <a:ea typeface="+mn-ea"/>
-                <a:cs typeface="+mn-cs"/>
-              </a:defRPr>
-            </a:lvl1pPr>
-            <a:lvl2pPr marL="685800" indent="-228600" algn="l" defTabSz="914400" rtl="0" eaLnBrk="1" latinLnBrk="0" hangingPunct="1">
-              <a:lnSpc>
-                <a:spcPct val="90000"/>
-              </a:lnSpc>
-              <a:spcBef>
-                <a:spcPts val="500"/>
-              </a:spcBef>
-              <a:buFont typeface="Arial" panose="020B0604020202020204" pitchFamily="34" charset="0"/>
-              <a:buChar char="•"/>
-              <a:defRPr sz="2400" kern="1200">
-                <a:solidFill>
-                  <a:schemeClr val="tx1"/>
-                </a:solidFill>
-                <a:latin typeface="+mn-lt"/>
-                <a:ea typeface="+mn-ea"/>
-                <a:cs typeface="+mn-cs"/>
-              </a:defRPr>
-            </a:lvl2pPr>
-            <a:lvl3pPr marL="1143000" indent="-228600" algn="l" defTabSz="914400" rtl="0" eaLnBrk="1" latinLnBrk="0" hangingPunct="1">
-              <a:lnSpc>
-                <a:spcPct val="90000"/>
-              </a:lnSpc>
-              <a:spcBef>
-                <a:spcPts val="500"/>
-              </a:spcBef>
-              <a:buFont typeface="Arial" panose="020B0604020202020204" pitchFamily="34" charset="0"/>
-              <a:buChar char="•"/>
-              <a:defRPr sz="2000" kern="1200">
-                <a:solidFill>
-                  <a:schemeClr val="tx1"/>
-                </a:solidFill>
-                <a:latin typeface="+mn-lt"/>
-                <a:ea typeface="+mn-ea"/>
-                <a:cs typeface="+mn-cs"/>
-              </a:defRPr>
-            </a:lvl3pPr>
-            <a:lvl4pPr marL="1600200" indent="-228600" algn="l" defTabSz="914400" rtl="0" eaLnBrk="1" latinLnBrk="0" hangingPunct="1">
-              <a:lnSpc>
-                <a:spcPct val="90000"/>
-              </a:lnSpc>
-              <a:spcBef>
-                <a:spcPts val="500"/>
-              </a:spcBef>
-              <a:buFont typeface="Arial" panose="020B0604020202020204" pitchFamily="34" charset="0"/>
-              <a:buChar char="•"/>
-              <a:defRPr sz="1800" kern="1200">
-                <a:solidFill>
-                  <a:schemeClr val="tx1"/>
-                </a:solidFill>
-                <a:latin typeface="+mn-lt"/>
-                <a:ea typeface="+mn-ea"/>
-                <a:cs typeface="+mn-cs"/>
-              </a:defRPr>
-            </a:lvl4pPr>
-            <a:lvl5pPr marL="2057400" indent="-228600" algn="l" defTabSz="914400" rtl="0" eaLnBrk="1" latinLnBrk="0" hangingPunct="1">
-              <a:lnSpc>
-                <a:spcPct val="90000"/>
-              </a:lnSpc>
-              <a:spcBef>
-                <a:spcPts val="500"/>
-              </a:spcBef>
-              <a:buFont typeface="Arial" panose="020B0604020202020204" pitchFamily="34" charset="0"/>
-              <a:buChar char="•"/>
-              <a:defRPr sz="1800" kern="1200">
-                <a:solidFill>
-                  <a:schemeClr val="tx1"/>
-                </a:solidFill>
-                <a:latin typeface="+mn-lt"/>
-                <a:ea typeface="+mn-ea"/>
-                <a:cs typeface="+mn-cs"/>
-              </a:defRPr>
-            </a:lvl5pPr>
-            <a:lvl6pPr marL="2514600" indent="-228600" algn="l" defTabSz="914400" rtl="0" eaLnBrk="1" latinLnBrk="0" hangingPunct="1">
-              <a:lnSpc>
-                <a:spcPct val="90000"/>
-              </a:lnSpc>
-              <a:spcBef>
-                <a:spcPts val="500"/>
-              </a:spcBef>
-              <a:buFont typeface="Arial" panose="020B0604020202020204" pitchFamily="34" charset="0"/>
-              <a:buChar char="•"/>
-              <a:defRPr sz="1800" kern="1200">
-                <a:solidFill>
-                  <a:schemeClr val="tx1"/>
-                </a:solidFill>
-                <a:latin typeface="+mn-lt"/>
-                <a:ea typeface="+mn-ea"/>
-                <a:cs typeface="+mn-cs"/>
-              </a:defRPr>
-            </a:lvl6pPr>
-            <a:lvl7pPr marL="2971800" indent="-228600" algn="l" defTabSz="914400" rtl="0" eaLnBrk="1" latinLnBrk="0" hangingPunct="1">
-              <a:lnSpc>
-                <a:spcPct val="90000"/>
-              </a:lnSpc>
-              <a:spcBef>
-                <a:spcPts val="500"/>
-              </a:spcBef>
-              <a:buFont typeface="Arial" panose="020B0604020202020204" pitchFamily="34" charset="0"/>
-              <a:buChar char="•"/>
-              <a:defRPr sz="1800" kern="1200">
-                <a:solidFill>
-                  <a:schemeClr val="tx1"/>
-                </a:solidFill>
-                <a:latin typeface="+mn-lt"/>
-                <a:ea typeface="+mn-ea"/>
-                <a:cs typeface="+mn-cs"/>
-              </a:defRPr>
-            </a:lvl7pPr>
-            <a:lvl8pPr marL="3429000" indent="-228600" algn="l" defTabSz="914400" rtl="0" eaLnBrk="1" latinLnBrk="0" hangingPunct="1">
-              <a:lnSpc>
-                <a:spcPct val="90000"/>
-              </a:lnSpc>
-              <a:spcBef>
-                <a:spcPts val="500"/>
-              </a:spcBef>
-              <a:buFont typeface="Arial" panose="020B0604020202020204" pitchFamily="34" charset="0"/>
-              <a:buChar char="•"/>
-              <a:defRPr sz="1800" kern="1200">
-                <a:solidFill>
-                  <a:schemeClr val="tx1"/>
-                </a:solidFill>
-                <a:latin typeface="+mn-lt"/>
-                <a:ea typeface="+mn-ea"/>
-                <a:cs typeface="+mn-cs"/>
-              </a:defRPr>
-            </a:lvl8pPr>
-            <a:lvl9pPr marL="3886200" indent="-228600" algn="l" defTabSz="914400" rtl="0" eaLnBrk="1" latinLnBrk="0" hangingPunct="1">
-              <a:lnSpc>
-                <a:spcPct val="90000"/>
-              </a:lnSpc>
-              <a:spcBef>
-                <a:spcPts val="500"/>
-              </a:spcBef>
-              <a:buFont typeface="Arial" panose="020B0604020202020204" pitchFamily="34" charset="0"/>
-              <a:buChar char="•"/>
-              <a:defRPr sz="1800" kern="1200">
-                <a:solidFill>
-                  <a:schemeClr val="tx1"/>
-                </a:solidFill>
-                <a:latin typeface="+mn-lt"/>
-                <a:ea typeface="+mn-ea"/>
-                <a:cs typeface="+mn-cs"/>
-              </a:defRPr>
-            </a:lvl9pPr>
-          </a:lstStyle>
-          <a:p>
-            <a:r>
-              <a:rPr lang="ru-RU" sz="1600" i="1">
-                <a:solidFill>
-                  <a:schemeClr val="accent2"/>
-                </a:solidFill>
-              </a:rPr>
-              <a:t>Место для фото</a:t>
-            </a:r>
-            <a:endParaRPr lang="ru-RU" sz="1600" i="1" dirty="0">
-              <a:solidFill>
-                <a:schemeClr val="accent2"/>
-              </a:solidFill>
-            </a:endParaRPr>
-          </a:p>
-        </p:txBody>
-      </p:sp>
-      <p:sp>
-        <p:nvSpPr>
-          <p:cNvPr id="20" name="TextBox 19">
-            <a:extLst>
-              <a:ext uri="{FF2B5EF4-FFF2-40B4-BE49-F238E27FC236}">
-                <a16:creationId xmlns:a16="http://schemas.microsoft.com/office/drawing/2014/main" id="{72AFFF01-3A2F-6549-95DB-8ABFB69005C2}"/>
-              </a:ext>
-            </a:extLst>
-          </p:cNvPr>
-          <p:cNvSpPr txBox="1"/>
-          <p:nvPr/>
-        </p:nvSpPr>
-        <p:spPr>
-          <a:xfrm>
-            <a:off x="8365782" y="3666850"/>
-            <a:ext cx="2202571" cy="584775"/>
-          </a:xfrm>
-          <a:prstGeom prst="rect">
-            <a:avLst/>
-          </a:prstGeom>
-          <a:noFill/>
-        </p:spPr>
-        <p:txBody>
-          <a:bodyPr wrap="square" rtlCol="0">
-            <a:spAutoFit/>
-          </a:bodyPr>
-          <a:lstStyle/>
-          <a:p>
-            <a:r>
-              <a:rPr lang="ru-RU" sz="1600" dirty="0"/>
-              <a:t>Тихонов Тимофей, </a:t>
-            </a:r>
-          </a:p>
-          <a:p>
-            <a:r>
-              <a:rPr lang="ru-RU" sz="1600" dirty="0"/>
-              <a:t>аналитик</a:t>
-            </a:r>
-          </a:p>
-        </p:txBody>
-      </p:sp>
-      <p:sp>
-        <p:nvSpPr>
-          <p:cNvPr id="21" name="Объект 2">
-            <a:extLst>
-              <a:ext uri="{FF2B5EF4-FFF2-40B4-BE49-F238E27FC236}">
-                <a16:creationId xmlns:a16="http://schemas.microsoft.com/office/drawing/2014/main" id="{46B0043D-FC96-6041-B03B-D9BCFD49833F}"/>
-              </a:ext>
-            </a:extLst>
-          </p:cNvPr>
-          <p:cNvSpPr txBox="1">
-            <a:spLocks/>
-          </p:cNvSpPr>
-          <p:nvPr/>
-        </p:nvSpPr>
-        <p:spPr>
-          <a:xfrm>
-            <a:off x="8370907" y="1747790"/>
             <a:ext cx="1992294" cy="1731319"/>
           </a:xfrm>
           <a:prstGeom prst="rect">
